--- a/Progetto IT.pptx
+++ b/Progetto IT.pptx
@@ -5,11 +5,16 @@
     <p:sldMasterId id="2147483648" r:id="rId1"/>
   </p:sldMasterIdLst>
   <p:sldIdLst>
-    <p:sldId id="257" r:id="rId2"/>
-    <p:sldId id="258" r:id="rId3"/>
-    <p:sldId id="259" r:id="rId4"/>
-    <p:sldId id="260" r:id="rId5"/>
-    <p:sldId id="261" r:id="rId6"/>
+    <p:sldId id="262" r:id="rId2"/>
+    <p:sldId id="263" r:id="rId3"/>
+    <p:sldId id="257" r:id="rId4"/>
+    <p:sldId id="264" r:id="rId5"/>
+    <p:sldId id="258" r:id="rId6"/>
+    <p:sldId id="259" r:id="rId7"/>
+    <p:sldId id="260" r:id="rId8"/>
+    <p:sldId id="265" r:id="rId9"/>
+    <p:sldId id="261" r:id="rId10"/>
+    <p:sldId id="266" r:id="rId11"/>
   </p:sldIdLst>
   <p:sldSz cx="12192000" cy="6858000"/>
   <p:notesSz cx="6858000" cy="9144000"/>
@@ -263,7 +268,7 @@
           <a:p>
             <a:fld id="{05F0296E-C4B7-46A1-9830-EB7E065C45C1}" type="datetimeFigureOut">
               <a:rPr lang="it-IT" smtClean="0"/>
-              <a:t>10/02/2021</a:t>
+              <a:t>15/02/2021</a:t>
             </a:fld>
             <a:endParaRPr lang="it-IT"/>
           </a:p>
@@ -461,7 +466,7 @@
           <a:p>
             <a:fld id="{05F0296E-C4B7-46A1-9830-EB7E065C45C1}" type="datetimeFigureOut">
               <a:rPr lang="it-IT" smtClean="0"/>
-              <a:t>10/02/2021</a:t>
+              <a:t>15/02/2021</a:t>
             </a:fld>
             <a:endParaRPr lang="it-IT"/>
           </a:p>
@@ -669,7 +674,7 @@
           <a:p>
             <a:fld id="{05F0296E-C4B7-46A1-9830-EB7E065C45C1}" type="datetimeFigureOut">
               <a:rPr lang="it-IT" smtClean="0"/>
-              <a:t>10/02/2021</a:t>
+              <a:t>15/02/2021</a:t>
             </a:fld>
             <a:endParaRPr lang="it-IT"/>
           </a:p>
@@ -867,7 +872,7 @@
           <a:p>
             <a:fld id="{05F0296E-C4B7-46A1-9830-EB7E065C45C1}" type="datetimeFigureOut">
               <a:rPr lang="it-IT" smtClean="0"/>
-              <a:t>10/02/2021</a:t>
+              <a:t>15/02/2021</a:t>
             </a:fld>
             <a:endParaRPr lang="it-IT"/>
           </a:p>
@@ -1142,7 +1147,7 @@
           <a:p>
             <a:fld id="{05F0296E-C4B7-46A1-9830-EB7E065C45C1}" type="datetimeFigureOut">
               <a:rPr lang="it-IT" smtClean="0"/>
-              <a:t>10/02/2021</a:t>
+              <a:t>15/02/2021</a:t>
             </a:fld>
             <a:endParaRPr lang="it-IT"/>
           </a:p>
@@ -1407,7 +1412,7 @@
           <a:p>
             <a:fld id="{05F0296E-C4B7-46A1-9830-EB7E065C45C1}" type="datetimeFigureOut">
               <a:rPr lang="it-IT" smtClean="0"/>
-              <a:t>10/02/2021</a:t>
+              <a:t>15/02/2021</a:t>
             </a:fld>
             <a:endParaRPr lang="it-IT"/>
           </a:p>
@@ -1819,7 +1824,7 @@
           <a:p>
             <a:fld id="{05F0296E-C4B7-46A1-9830-EB7E065C45C1}" type="datetimeFigureOut">
               <a:rPr lang="it-IT" smtClean="0"/>
-              <a:t>10/02/2021</a:t>
+              <a:t>15/02/2021</a:t>
             </a:fld>
             <a:endParaRPr lang="it-IT"/>
           </a:p>
@@ -1960,7 +1965,7 @@
           <a:p>
             <a:fld id="{05F0296E-C4B7-46A1-9830-EB7E065C45C1}" type="datetimeFigureOut">
               <a:rPr lang="it-IT" smtClean="0"/>
-              <a:t>10/02/2021</a:t>
+              <a:t>15/02/2021</a:t>
             </a:fld>
             <a:endParaRPr lang="it-IT"/>
           </a:p>
@@ -2073,7 +2078,7 @@
           <a:p>
             <a:fld id="{05F0296E-C4B7-46A1-9830-EB7E065C45C1}" type="datetimeFigureOut">
               <a:rPr lang="it-IT" smtClean="0"/>
-              <a:t>10/02/2021</a:t>
+              <a:t>15/02/2021</a:t>
             </a:fld>
             <a:endParaRPr lang="it-IT"/>
           </a:p>
@@ -2384,7 +2389,7 @@
           <a:p>
             <a:fld id="{05F0296E-C4B7-46A1-9830-EB7E065C45C1}" type="datetimeFigureOut">
               <a:rPr lang="it-IT" smtClean="0"/>
-              <a:t>10/02/2021</a:t>
+              <a:t>15/02/2021</a:t>
             </a:fld>
             <a:endParaRPr lang="it-IT"/>
           </a:p>
@@ -2672,7 +2677,7 @@
           <a:p>
             <a:fld id="{05F0296E-C4B7-46A1-9830-EB7E065C45C1}" type="datetimeFigureOut">
               <a:rPr lang="it-IT" smtClean="0"/>
-              <a:t>10/02/2021</a:t>
+              <a:t>15/02/2021</a:t>
             </a:fld>
             <a:endParaRPr lang="it-IT"/>
           </a:p>
@@ -2913,7 +2918,7 @@
           <a:p>
             <a:fld id="{05F0296E-C4B7-46A1-9830-EB7E065C45C1}" type="datetimeFigureOut">
               <a:rPr lang="it-IT" smtClean="0"/>
-              <a:t>10/02/2021</a:t>
+              <a:t>15/02/2021</a:t>
             </a:fld>
             <a:endParaRPr lang="it-IT"/>
           </a:p>
@@ -3335,7 +3340,141 @@
           <p:cNvPr id="2" name="Titolo 1">
             <a:extLst>
               <a:ext uri="{FF2B5EF4-FFF2-40B4-BE49-F238E27FC236}">
-                <a16:creationId xmlns:a16="http://schemas.microsoft.com/office/drawing/2014/main" id="{077BD9FC-11B3-4C6A-A42F-90BC5CE28F7B}"/>
+                <a16:creationId xmlns:a16="http://schemas.microsoft.com/office/drawing/2014/main" id="{AB3EEF89-BC50-4D3D-8D53-7D720EB12D4C}"/>
+              </a:ext>
+            </a:extLst>
+          </p:cNvPr>
+          <p:cNvSpPr>
+            <a:spLocks noGrp="1"/>
+          </p:cNvSpPr>
+          <p:nvPr>
+            <p:ph type="title"/>
+          </p:nvPr>
+        </p:nvSpPr>
+        <p:spPr>
+          <a:xfrm>
+            <a:off x="838200" y="1372290"/>
+            <a:ext cx="10515600" cy="1325563"/>
+          </a:xfrm>
+        </p:spPr>
+        <p:txBody>
+          <a:bodyPr>
+            <a:normAutofit/>
+          </a:bodyPr>
+          <a:lstStyle/>
+          <a:p>
+            <a:r>
+              <a:rPr lang="it-IT" sz="4000" dirty="0">
+                <a:solidFill>
+                  <a:schemeClr val="accent2"/>
+                </a:solidFill>
+              </a:rPr>
+              <a:t>PROGETTO PER CORSO TECNOLOGIA INTERNET</a:t>
+            </a:r>
+          </a:p>
+        </p:txBody>
+      </p:sp>
+      <p:sp>
+        <p:nvSpPr>
+          <p:cNvPr id="3" name="Segnaposto contenuto 2">
+            <a:extLst>
+              <a:ext uri="{FF2B5EF4-FFF2-40B4-BE49-F238E27FC236}">
+                <a16:creationId xmlns:a16="http://schemas.microsoft.com/office/drawing/2014/main" id="{A82D4238-7CBE-4C3F-9831-3E2A2CDC01DF}"/>
+              </a:ext>
+            </a:extLst>
+          </p:cNvPr>
+          <p:cNvSpPr>
+            <a:spLocks noGrp="1"/>
+          </p:cNvSpPr>
+          <p:nvPr>
+            <p:ph idx="1"/>
+          </p:nvPr>
+        </p:nvSpPr>
+        <p:spPr>
+          <a:xfrm>
+            <a:off x="7354956" y="4545495"/>
+            <a:ext cx="3998843" cy="1947380"/>
+          </a:xfrm>
+        </p:spPr>
+        <p:txBody>
+          <a:bodyPr>
+            <a:normAutofit fontScale="92500" lnSpcReduction="20000"/>
+          </a:bodyPr>
+          <a:lstStyle/>
+          <a:p>
+            <a:pPr marL="0" indent="0">
+              <a:lnSpc>
+                <a:spcPct val="150000"/>
+              </a:lnSpc>
+              <a:buNone/>
+            </a:pPr>
+            <a:r>
+              <a:rPr lang="it-IT" dirty="0"/>
+              <a:t>Realizzato da Weng Anqing </a:t>
+            </a:r>
+          </a:p>
+          <a:p>
+            <a:pPr marL="0" indent="0">
+              <a:lnSpc>
+                <a:spcPct val="150000"/>
+              </a:lnSpc>
+              <a:buNone/>
+            </a:pPr>
+            <a:r>
+              <a:rPr lang="it-IT" dirty="0"/>
+              <a:t>Matricola: 294526</a:t>
+            </a:r>
+          </a:p>
+          <a:p>
+            <a:pPr marL="0" indent="0">
+              <a:lnSpc>
+                <a:spcPct val="150000"/>
+              </a:lnSpc>
+              <a:buNone/>
+            </a:pPr>
+            <a:r>
+              <a:rPr lang="it-IT" dirty="0"/>
+              <a:t>15/02/2020   Parma</a:t>
+            </a:r>
+          </a:p>
+        </p:txBody>
+      </p:sp>
+    </p:spTree>
+    <p:extLst>
+      <p:ext uri="{BB962C8B-B14F-4D97-AF65-F5344CB8AC3E}">
+        <p14:creationId xmlns:p14="http://schemas.microsoft.com/office/powerpoint/2010/main" val="460267617"/>
+      </p:ext>
+    </p:extLst>
+  </p:cSld>
+  <p:clrMapOvr>
+    <a:masterClrMapping/>
+  </p:clrMapOvr>
+</p:sld>
+</file>
+
+<file path=ppt/slides/slide10.xml><?xml version="1.0" encoding="utf-8"?>
+<p:sld xmlns:a="http://schemas.openxmlformats.org/drawingml/2006/main" xmlns:r="http://schemas.openxmlformats.org/officeDocument/2006/relationships" xmlns:p="http://schemas.openxmlformats.org/presentationml/2006/main">
+  <p:cSld>
+    <p:spTree>
+      <p:nvGrpSpPr>
+        <p:cNvPr id="1" name=""/>
+        <p:cNvGrpSpPr/>
+        <p:nvPr/>
+      </p:nvGrpSpPr>
+      <p:grpSpPr>
+        <a:xfrm>
+          <a:off x="0" y="0"/>
+          <a:ext cx="0" cy="0"/>
+          <a:chOff x="0" y="0"/>
+          <a:chExt cx="0" cy="0"/>
+        </a:xfrm>
+      </p:grpSpPr>
+      <p:sp>
+        <p:nvSpPr>
+          <p:cNvPr id="2" name="Titolo 1">
+            <a:extLst>
+              <a:ext uri="{FF2B5EF4-FFF2-40B4-BE49-F238E27FC236}">
+                <a16:creationId xmlns:a16="http://schemas.microsoft.com/office/drawing/2014/main" id="{C24EF702-CAD9-47D6-AF4A-DE837F415F46}"/>
               </a:ext>
             </a:extLst>
           </p:cNvPr>
@@ -3357,7 +3496,7 @@
                   <a:schemeClr val="accent2"/>
                 </a:solidFill>
               </a:rPr>
-              <a:t>Requisiti progetto</a:t>
+              <a:t>Conclusione</a:t>
             </a:r>
           </a:p>
         </p:txBody>
@@ -3367,7 +3506,7 @@
           <p:cNvPr id="3" name="Segnaposto contenuto 2">
             <a:extLst>
               <a:ext uri="{FF2B5EF4-FFF2-40B4-BE49-F238E27FC236}">
-                <a16:creationId xmlns:a16="http://schemas.microsoft.com/office/drawing/2014/main" id="{0D2D69F4-5F83-4732-BC55-E0DF2EAE5ABA}"/>
+                <a16:creationId xmlns:a16="http://schemas.microsoft.com/office/drawing/2014/main" id="{706CD87E-4045-47AA-8BDC-C3D599DA0966}"/>
               </a:ext>
             </a:extLst>
           </p:cNvPr>
@@ -3378,29 +3517,25 @@
             <p:ph idx="1"/>
           </p:nvPr>
         </p:nvSpPr>
-        <p:spPr>
-          <a:xfrm>
-            <a:off x="838200" y="1690688"/>
-            <a:ext cx="10515600" cy="4486275"/>
-          </a:xfrm>
-        </p:spPr>
-        <p:txBody>
-          <a:bodyPr>
-            <a:normAutofit/>
-          </a:bodyPr>
+        <p:spPr/>
+        <p:txBody>
+          <a:bodyPr/>
           <a:lstStyle/>
           <a:p>
             <a:pPr marL="0" indent="0">
-              <a:lnSpc>
-                <a:spcPct val="100000"/>
-              </a:lnSpc>
               <a:buNone/>
             </a:pPr>
             <a:r>
-              <a:rPr lang="it-IT" dirty="0">
-                <a:ea typeface="Verdana" panose="020B0604030504040204" pitchFamily="34" charset="0"/>
-              </a:rPr>
-              <a:t>Il mio progetto consiste nel realizzare un sito di e-commerce per una pizzeria d’asporto che accetta ordini online, è un sito dove tutti possono consultare il menù, registrarsi e riempire il carello ma solo utente registrato ed autenticato può effettuare ordine svuotando il carello ed eventualmente eliminare gli ordini che si trovano nello stato ancora da lavorare, utente autenticato può anche modificare il proprio profilo aggiornando i dati essenziali per le consegne(indirizzo, telefono). Allo stesso sito possono accedere autenticandosi anche amministratori del sito che possono visualizzare gli ordini, gestirli, aggiungere altri prodotti nel menù e altri amministratori.</a:t>
+              <a:rPr lang="it-IT" dirty="0"/>
+              <a:t>Nonostante le  diverse difficoltà incontrato nelle implementazione del </a:t>
+            </a:r>
+            <a:r>
+              <a:rPr lang="it-IT"/>
+              <a:t>progetto, ritengo </a:t>
+            </a:r>
+            <a:r>
+              <a:rPr lang="it-IT" dirty="0"/>
+              <a:t>di essere molto soddisfatto soprattutto del fatto di poter convertire le teorie studiate alle lezioni in qualcosa di pratica ed funzionante.</a:t>
             </a:r>
           </a:p>
         </p:txBody>
@@ -3408,7 +3543,7 @@
     </p:spTree>
     <p:extLst>
       <p:ext uri="{BB962C8B-B14F-4D97-AF65-F5344CB8AC3E}">
-        <p14:creationId xmlns:p14="http://schemas.microsoft.com/office/powerpoint/2010/main" val="676448054"/>
+        <p14:creationId xmlns:p14="http://schemas.microsoft.com/office/powerpoint/2010/main" val="4115530647"/>
       </p:ext>
     </p:extLst>
   </p:cSld>
@@ -3440,7 +3575,7 @@
           <p:cNvPr id="2" name="Titolo 1">
             <a:extLst>
               <a:ext uri="{FF2B5EF4-FFF2-40B4-BE49-F238E27FC236}">
-                <a16:creationId xmlns:a16="http://schemas.microsoft.com/office/drawing/2014/main" id="{3C7C2C3C-D61D-46F6-A37A-31526CB68BC2}"/>
+                <a16:creationId xmlns:a16="http://schemas.microsoft.com/office/drawing/2014/main" id="{AEFB795E-C255-4B6D-92D0-DF7BA8C9FA30}"/>
               </a:ext>
             </a:extLst>
           </p:cNvPr>
@@ -3451,12 +3586,7 @@
             <p:ph type="title"/>
           </p:nvPr>
         </p:nvSpPr>
-        <p:spPr>
-          <a:xfrm>
-            <a:off x="838200" y="471142"/>
-            <a:ext cx="10515600" cy="1325563"/>
-          </a:xfrm>
-        </p:spPr>
+        <p:spPr/>
         <p:txBody>
           <a:bodyPr/>
           <a:lstStyle/>
@@ -3467,7 +3597,7 @@
                   <a:schemeClr val="accent2"/>
                 </a:solidFill>
               </a:rPr>
-              <a:t>Tecnologie utilizzate</a:t>
+              <a:t>Obiettivo progetto</a:t>
             </a:r>
           </a:p>
         </p:txBody>
@@ -3477,7 +3607,7 @@
           <p:cNvPr id="3" name="Segnaposto contenuto 2">
             <a:extLst>
               <a:ext uri="{FF2B5EF4-FFF2-40B4-BE49-F238E27FC236}">
-                <a16:creationId xmlns:a16="http://schemas.microsoft.com/office/drawing/2014/main" id="{5E987184-5CF7-4B52-9123-9C04AF54A026}"/>
+                <a16:creationId xmlns:a16="http://schemas.microsoft.com/office/drawing/2014/main" id="{C8FD51B5-01AE-4849-B6D1-74FE3F247B69}"/>
               </a:ext>
             </a:extLst>
           </p:cNvPr>
@@ -3488,89 +3618,31 @@
             <p:ph idx="1"/>
           </p:nvPr>
         </p:nvSpPr>
-        <p:spPr>
-          <a:xfrm>
-            <a:off x="838200" y="2067339"/>
-            <a:ext cx="10515600" cy="4425536"/>
-          </a:xfrm>
-        </p:spPr>
-        <p:txBody>
-          <a:bodyPr/>
-          <a:lstStyle/>
-          <a:p>
-            <a:pPr>
+        <p:spPr/>
+        <p:txBody>
+          <a:bodyPr/>
+          <a:lstStyle/>
+          <a:p>
+            <a:pPr marL="0" indent="0">
               <a:lnSpc>
                 <a:spcPct val="150000"/>
               </a:lnSpc>
+              <a:buNone/>
             </a:pPr>
             <a:r>
-              <a:rPr lang="it-IT" dirty="0"/>
-              <a:t>HTML + CSS + JSON</a:t>
-            </a:r>
-          </a:p>
-          <a:p>
-            <a:pPr>
-              <a:lnSpc>
-                <a:spcPct val="150000"/>
-              </a:lnSpc>
-            </a:pPr>
-            <a:r>
-              <a:rPr lang="it-IT" dirty="0"/>
-              <a:t>JavaScript(framework : REACT)  : </a:t>
-            </a:r>
-            <a:r>
               <a:rPr lang="it-IT" dirty="0">
-                <a:solidFill>
-                  <a:srgbClr val="FF0000"/>
-                </a:solidFill>
+                <a:ea typeface="Verdana" panose="020B0604030504040204" pitchFamily="34" charset="0"/>
               </a:rPr>
-              <a:t>FRONTEND</a:t>
-            </a:r>
-          </a:p>
-          <a:p>
-            <a:pPr>
-              <a:lnSpc>
-                <a:spcPct val="150000"/>
-              </a:lnSpc>
-            </a:pPr>
-            <a:r>
-              <a:rPr lang="it-IT" dirty="0"/>
-              <a:t>Node.js                                           : </a:t>
-            </a:r>
-            <a:r>
-              <a:rPr lang="it-IT" dirty="0">
-                <a:solidFill>
-                  <a:srgbClr val="FF0000"/>
-                </a:solidFill>
-              </a:rPr>
-              <a:t>BACKEND</a:t>
-            </a:r>
-          </a:p>
-          <a:p>
-            <a:pPr>
-              <a:lnSpc>
-                <a:spcPct val="150000"/>
-              </a:lnSpc>
-            </a:pPr>
-            <a:r>
-              <a:rPr lang="it-IT" dirty="0"/>
-              <a:t>MySQL                                            : </a:t>
-            </a:r>
-            <a:r>
-              <a:rPr lang="it-IT" dirty="0">
-                <a:solidFill>
-                  <a:srgbClr val="FF0000"/>
-                </a:solidFill>
-              </a:rPr>
-              <a:t>DATA</a:t>
-            </a:r>
+              <a:t>Realizzazione di un sito web dinamico con architettura Client-Server di e-commerce per le pizzerie d’asporto che accettano ordini online sia per asporto che consegne a domicilio usando principalmente le tecnologie imparate dal corso.</a:t>
+            </a:r>
+            <a:endParaRPr lang="it-IT" dirty="0"/>
           </a:p>
         </p:txBody>
       </p:sp>
     </p:spTree>
     <p:extLst>
       <p:ext uri="{BB962C8B-B14F-4D97-AF65-F5344CB8AC3E}">
-        <p14:creationId xmlns:p14="http://schemas.microsoft.com/office/powerpoint/2010/main" val="717886215"/>
+        <p14:creationId xmlns:p14="http://schemas.microsoft.com/office/powerpoint/2010/main" val="292240286"/>
       </p:ext>
     </p:extLst>
   </p:cSld>
@@ -3602,7 +3674,7 @@
           <p:cNvPr id="2" name="Titolo 1">
             <a:extLst>
               <a:ext uri="{FF2B5EF4-FFF2-40B4-BE49-F238E27FC236}">
-                <a16:creationId xmlns:a16="http://schemas.microsoft.com/office/drawing/2014/main" id="{12060DBF-91F1-44CC-A862-C577FC46B117}"/>
+                <a16:creationId xmlns:a16="http://schemas.microsoft.com/office/drawing/2014/main" id="{077BD9FC-11B3-4C6A-A42F-90BC5CE28F7B}"/>
               </a:ext>
             </a:extLst>
           </p:cNvPr>
@@ -3624,7 +3696,7 @@
                   <a:schemeClr val="accent2"/>
                 </a:solidFill>
               </a:rPr>
-              <a:t>Scelta del framework</a:t>
+              <a:t>Requisiti progetto</a:t>
             </a:r>
           </a:p>
         </p:txBody>
@@ -3634,7 +3706,7 @@
           <p:cNvPr id="3" name="Segnaposto contenuto 2">
             <a:extLst>
               <a:ext uri="{FF2B5EF4-FFF2-40B4-BE49-F238E27FC236}">
-                <a16:creationId xmlns:a16="http://schemas.microsoft.com/office/drawing/2014/main" id="{73C64FD3-797A-4836-B532-24A4A2BF6FC6}"/>
+                <a16:creationId xmlns:a16="http://schemas.microsoft.com/office/drawing/2014/main" id="{0D2D69F4-5F83-4732-BC55-E0DF2EAE5ABA}"/>
               </a:ext>
             </a:extLst>
           </p:cNvPr>
@@ -3645,41 +3717,62 @@
             <p:ph idx="1"/>
           </p:nvPr>
         </p:nvSpPr>
-        <p:spPr/>
-        <p:txBody>
-          <a:bodyPr/>
-          <a:lstStyle/>
-          <a:p>
-            <a:pPr marL="0" indent="0">
+        <p:spPr>
+          <a:xfrm>
+            <a:off x="838200" y="2014262"/>
+            <a:ext cx="10515600" cy="4486275"/>
+          </a:xfrm>
+        </p:spPr>
+        <p:txBody>
+          <a:bodyPr>
+            <a:normAutofit/>
+          </a:bodyPr>
+          <a:lstStyle/>
+          <a:p>
+            <a:pPr>
               <a:lnSpc>
                 <a:spcPct val="100000"/>
               </a:lnSpc>
-              <a:buNone/>
             </a:pPr>
             <a:r>
               <a:rPr lang="it-IT" dirty="0">
-                <a:solidFill>
-                  <a:schemeClr val="accent2"/>
-                </a:solidFill>
+                <a:ea typeface="Verdana" panose="020B0604030504040204" pitchFamily="34" charset="0"/>
               </a:rPr>
-              <a:t>Perché REACT ? </a:t>
-            </a:r>
-            <a:r>
-              <a:rPr lang="it-IT" dirty="0"/>
-              <a:t>REACT perché si presenta come una libreria di sviluppo per il front-end di applicazione single-page, quindi permette di sviluppare interfacce utente dinamiche mantenendo facilità e modularità. Oltre all’uso del JSX si utilizza prevalentemente JavaScript senza imparare un altro linguaggio, e dato che abbiamo imparato JavaScript alle lezioni ho scelto subito REACT per il mio progetto. All’inizio può sembrare una cosa strana ed difficile(una sensazione di scrivere JavaScript in HTML) da imparare ma una volta abituato si apprezza per le sue potenzialità.</a:t>
-            </a:r>
-            <a:endParaRPr lang="it-IT" dirty="0">
-              <a:solidFill>
-                <a:schemeClr val="accent2"/>
-              </a:solidFill>
-            </a:endParaRPr>
+              <a:t>Tutti possono accedere al sito per consultare il menù, registrarsi e riempire il carello.</a:t>
+            </a:r>
+          </a:p>
+          <a:p>
+            <a:pPr>
+              <a:lnSpc>
+                <a:spcPct val="100000"/>
+              </a:lnSpc>
+            </a:pPr>
+            <a:r>
+              <a:rPr lang="it-IT" dirty="0">
+                <a:ea typeface="Verdana" panose="020B0604030504040204" pitchFamily="34" charset="0"/>
+              </a:rPr>
+              <a:t>Solo utente registrato ed autenticato può effettuare ordine svuotando il carello, consultare i dettagli di tutti gli ordini effettuati nel tempo ed eliminare gli ordini che si trovano nello stato ‘ da lavorare ’.</a:t>
+            </a:r>
+          </a:p>
+          <a:p>
+            <a:pPr>
+              <a:lnSpc>
+                <a:spcPct val="100000"/>
+              </a:lnSpc>
+            </a:pPr>
+            <a:r>
+              <a:rPr lang="it-IT" dirty="0">
+                <a:ea typeface="Verdana" panose="020B0604030504040204" pitchFamily="34" charset="0"/>
+              </a:rPr>
+              <a:t>Utente autenticato può anche modificare il proprio profilo aggiornando i dati essenziali per le consegne(indirizzo, telefono) e password. </a:t>
+            </a:r>
           </a:p>
         </p:txBody>
       </p:sp>
     </p:spTree>
     <p:extLst>
       <p:ext uri="{BB962C8B-B14F-4D97-AF65-F5344CB8AC3E}">
-        <p14:creationId xmlns:p14="http://schemas.microsoft.com/office/powerpoint/2010/main" val="1799212214"/>
+        <p14:creationId xmlns:p14="http://schemas.microsoft.com/office/powerpoint/2010/main" val="676448054"/>
       </p:ext>
     </p:extLst>
   </p:cSld>
@@ -3708,42 +3801,10 @@
       </p:grpSpPr>
       <p:sp>
         <p:nvSpPr>
-          <p:cNvPr id="2" name="Titolo 1">
-            <a:extLst>
-              <a:ext uri="{FF2B5EF4-FFF2-40B4-BE49-F238E27FC236}">
-                <a16:creationId xmlns:a16="http://schemas.microsoft.com/office/drawing/2014/main" id="{C538860D-D344-4F2D-92C2-525781E8E68B}"/>
-              </a:ext>
-            </a:extLst>
-          </p:cNvPr>
-          <p:cNvSpPr>
-            <a:spLocks noGrp="1"/>
-          </p:cNvSpPr>
-          <p:nvPr>
-            <p:ph type="title"/>
-          </p:nvPr>
-        </p:nvSpPr>
-        <p:spPr/>
-        <p:txBody>
-          <a:bodyPr/>
-          <a:lstStyle/>
-          <a:p>
-            <a:r>
-              <a:rPr lang="it-IT" dirty="0">
-                <a:solidFill>
-                  <a:srgbClr val="FF0000"/>
-                </a:solidFill>
-              </a:rPr>
-              <a:t>Specifiche progetto</a:t>
-            </a:r>
-          </a:p>
-        </p:txBody>
-      </p:sp>
-      <p:sp>
-        <p:nvSpPr>
           <p:cNvPr id="3" name="Segnaposto contenuto 2">
             <a:extLst>
               <a:ext uri="{FF2B5EF4-FFF2-40B4-BE49-F238E27FC236}">
-                <a16:creationId xmlns:a16="http://schemas.microsoft.com/office/drawing/2014/main" id="{87F9B951-486A-4568-AF46-402970D16BCB}"/>
+                <a16:creationId xmlns:a16="http://schemas.microsoft.com/office/drawing/2014/main" id="{47D8F4F1-00D0-40DA-8ACF-3F37DDA87911}"/>
               </a:ext>
             </a:extLst>
           </p:cNvPr>
@@ -3756,57 +3817,52 @@
         </p:nvSpPr>
         <p:spPr>
           <a:xfrm>
-            <a:off x="838200" y="1690688"/>
-            <a:ext cx="10515600" cy="4486275"/>
+            <a:off x="838200" y="699191"/>
+            <a:ext cx="10515600" cy="5343800"/>
           </a:xfrm>
         </p:spPr>
         <p:txBody>
-          <a:bodyPr>
-            <a:normAutofit/>
-          </a:bodyPr>
-          <a:lstStyle/>
-          <a:p>
-            <a:pPr marL="0" indent="0">
-              <a:lnSpc>
-                <a:spcPct val="100000"/>
-              </a:lnSpc>
-              <a:buNone/>
-            </a:pPr>
-            <a:r>
-              <a:rPr lang="it-IT" dirty="0"/>
-              <a:t>Quando utente entra nel homepage, vengono visualizzati tutti i prodotti disponibili tramite una richiesta al server che risponde accendendo al database, utente a questo punto può aggiungere i prodotti al carello, il sistema salva i dati del carello nel </a:t>
-            </a:r>
-            <a:r>
-              <a:rPr lang="it-IT" dirty="0" err="1"/>
-              <a:t>LocalStorage</a:t>
-            </a:r>
-            <a:r>
-              <a:rPr lang="it-IT" dirty="0"/>
-              <a:t>, se decide di effettuare </a:t>
-            </a:r>
-            <a:r>
-              <a:rPr lang="it-IT" dirty="0" err="1"/>
-              <a:t>un’ordine</a:t>
-            </a:r>
-            <a:r>
-              <a:rPr lang="it-IT" dirty="0"/>
-              <a:t> può registrarsi compilando un </a:t>
-            </a:r>
-            <a:r>
-              <a:rPr lang="it-IT" dirty="0" err="1"/>
-              <a:t>form</a:t>
-            </a:r>
-            <a:r>
-              <a:rPr lang="it-IT" dirty="0"/>
-              <a:t> oppure login se ha già in possesso dei credenziali. Il password viene salvato passando attraverso funzione di HASH da renderlo segreto per tutti. Una volta autenticato il sistema invia un token all’utente che deve utilizzarlo per autenticarsi per ogni futura richiesta di servizio. </a:t>
-            </a:r>
+          <a:bodyPr/>
+          <a:lstStyle/>
+          <a:p>
+            <a:r>
+              <a:rPr lang="it-IT" dirty="0">
+                <a:ea typeface="Verdana" panose="020B0604030504040204" pitchFamily="34" charset="0"/>
+              </a:rPr>
+              <a:t>Allo stesso sito possono accedere autenticandosi anche amministratori del sito.</a:t>
+            </a:r>
+          </a:p>
+          <a:p>
+            <a:r>
+              <a:rPr lang="it-IT" dirty="0">
+                <a:ea typeface="Verdana" panose="020B0604030504040204" pitchFamily="34" charset="0"/>
+              </a:rPr>
+              <a:t>Solo dopo aver effettuato login amministratori possono visualizzare dettagli di gli ordini associati ai clienti, gestirli.</a:t>
+            </a:r>
+          </a:p>
+          <a:p>
+            <a:r>
+              <a:rPr lang="it-IT" dirty="0">
+                <a:ea typeface="Verdana" panose="020B0604030504040204" pitchFamily="34" charset="0"/>
+              </a:rPr>
+              <a:t>Amministratori possono aggiungere nuovi prodotti nel menù e nuovi amministratori.</a:t>
+            </a:r>
+          </a:p>
+          <a:p>
+            <a:r>
+              <a:rPr lang="it-IT" dirty="0">
+                <a:ea typeface="Verdana" panose="020B0604030504040204" pitchFamily="34" charset="0"/>
+              </a:rPr>
+              <a:t>Tutti i dati consistenti del sito sono gestiti dal DATABASE.</a:t>
+            </a:r>
+            <a:endParaRPr lang="it-IT" dirty="0"/>
           </a:p>
         </p:txBody>
       </p:sp>
     </p:spTree>
     <p:extLst>
       <p:ext uri="{BB962C8B-B14F-4D97-AF65-F5344CB8AC3E}">
-        <p14:creationId xmlns:p14="http://schemas.microsoft.com/office/powerpoint/2010/main" val="280409479"/>
+        <p14:creationId xmlns:p14="http://schemas.microsoft.com/office/powerpoint/2010/main" val="1897394445"/>
       </p:ext>
     </p:extLst>
   </p:cSld>
@@ -3835,6 +3891,547 @@
       </p:grpSpPr>
       <p:sp>
         <p:nvSpPr>
+          <p:cNvPr id="2" name="Titolo 1">
+            <a:extLst>
+              <a:ext uri="{FF2B5EF4-FFF2-40B4-BE49-F238E27FC236}">
+                <a16:creationId xmlns:a16="http://schemas.microsoft.com/office/drawing/2014/main" id="{3C7C2C3C-D61D-46F6-A37A-31526CB68BC2}"/>
+              </a:ext>
+            </a:extLst>
+          </p:cNvPr>
+          <p:cNvSpPr>
+            <a:spLocks noGrp="1"/>
+          </p:cNvSpPr>
+          <p:nvPr>
+            <p:ph type="title"/>
+          </p:nvPr>
+        </p:nvSpPr>
+        <p:spPr>
+          <a:xfrm>
+            <a:off x="838200" y="471142"/>
+            <a:ext cx="10515600" cy="1325563"/>
+          </a:xfrm>
+        </p:spPr>
+        <p:txBody>
+          <a:bodyPr/>
+          <a:lstStyle/>
+          <a:p>
+            <a:r>
+              <a:rPr lang="it-IT" dirty="0">
+                <a:solidFill>
+                  <a:schemeClr val="accent2"/>
+                </a:solidFill>
+              </a:rPr>
+              <a:t>Tecnologie utilizzate</a:t>
+            </a:r>
+          </a:p>
+        </p:txBody>
+      </p:sp>
+      <p:sp>
+        <p:nvSpPr>
+          <p:cNvPr id="3" name="Segnaposto contenuto 2">
+            <a:extLst>
+              <a:ext uri="{FF2B5EF4-FFF2-40B4-BE49-F238E27FC236}">
+                <a16:creationId xmlns:a16="http://schemas.microsoft.com/office/drawing/2014/main" id="{5E987184-5CF7-4B52-9123-9C04AF54A026}"/>
+              </a:ext>
+            </a:extLst>
+          </p:cNvPr>
+          <p:cNvSpPr>
+            <a:spLocks noGrp="1"/>
+          </p:cNvSpPr>
+          <p:nvPr>
+            <p:ph idx="1"/>
+          </p:nvPr>
+        </p:nvSpPr>
+        <p:spPr>
+          <a:xfrm>
+            <a:off x="838200" y="2067339"/>
+            <a:ext cx="10515600" cy="4425536"/>
+          </a:xfrm>
+        </p:spPr>
+        <p:txBody>
+          <a:bodyPr/>
+          <a:lstStyle/>
+          <a:p>
+            <a:pPr>
+              <a:lnSpc>
+                <a:spcPct val="150000"/>
+              </a:lnSpc>
+            </a:pPr>
+            <a:r>
+              <a:rPr lang="it-IT" dirty="0"/>
+              <a:t>HTML + CSS + JSON</a:t>
+            </a:r>
+          </a:p>
+          <a:p>
+            <a:pPr>
+              <a:lnSpc>
+                <a:spcPct val="150000"/>
+              </a:lnSpc>
+            </a:pPr>
+            <a:r>
+              <a:rPr lang="it-IT" dirty="0"/>
+              <a:t>JavaScript(framework : REACT)  : </a:t>
+            </a:r>
+            <a:r>
+              <a:rPr lang="it-IT" dirty="0">
+                <a:solidFill>
+                  <a:srgbClr val="FF0000"/>
+                </a:solidFill>
+              </a:rPr>
+              <a:t>FRONTEND</a:t>
+            </a:r>
+          </a:p>
+          <a:p>
+            <a:pPr>
+              <a:lnSpc>
+                <a:spcPct val="150000"/>
+              </a:lnSpc>
+            </a:pPr>
+            <a:r>
+              <a:rPr lang="it-IT" dirty="0"/>
+              <a:t>Node.js                                           : </a:t>
+            </a:r>
+            <a:r>
+              <a:rPr lang="it-IT" dirty="0">
+                <a:solidFill>
+                  <a:srgbClr val="FF0000"/>
+                </a:solidFill>
+              </a:rPr>
+              <a:t>BACKEND</a:t>
+            </a:r>
+          </a:p>
+          <a:p>
+            <a:pPr>
+              <a:lnSpc>
+                <a:spcPct val="150000"/>
+              </a:lnSpc>
+            </a:pPr>
+            <a:r>
+              <a:rPr lang="it-IT" dirty="0"/>
+              <a:t>MySQL                                            : </a:t>
+            </a:r>
+            <a:r>
+              <a:rPr lang="it-IT" dirty="0">
+                <a:solidFill>
+                  <a:srgbClr val="FF0000"/>
+                </a:solidFill>
+              </a:rPr>
+              <a:t>DATA</a:t>
+            </a:r>
+          </a:p>
+        </p:txBody>
+      </p:sp>
+    </p:spTree>
+    <p:extLst>
+      <p:ext uri="{BB962C8B-B14F-4D97-AF65-F5344CB8AC3E}">
+        <p14:creationId xmlns:p14="http://schemas.microsoft.com/office/powerpoint/2010/main" val="717886215"/>
+      </p:ext>
+    </p:extLst>
+  </p:cSld>
+  <p:clrMapOvr>
+    <a:masterClrMapping/>
+  </p:clrMapOvr>
+</p:sld>
+</file>
+
+<file path=ppt/slides/slide6.xml><?xml version="1.0" encoding="utf-8"?>
+<p:sld xmlns:a="http://schemas.openxmlformats.org/drawingml/2006/main" xmlns:r="http://schemas.openxmlformats.org/officeDocument/2006/relationships" xmlns:p="http://schemas.openxmlformats.org/presentationml/2006/main">
+  <p:cSld>
+    <p:spTree>
+      <p:nvGrpSpPr>
+        <p:cNvPr id="1" name=""/>
+        <p:cNvGrpSpPr/>
+        <p:nvPr/>
+      </p:nvGrpSpPr>
+      <p:grpSpPr>
+        <a:xfrm>
+          <a:off x="0" y="0"/>
+          <a:ext cx="0" cy="0"/>
+          <a:chOff x="0" y="0"/>
+          <a:chExt cx="0" cy="0"/>
+        </a:xfrm>
+      </p:grpSpPr>
+      <p:sp>
+        <p:nvSpPr>
+          <p:cNvPr id="2" name="Titolo 1">
+            <a:extLst>
+              <a:ext uri="{FF2B5EF4-FFF2-40B4-BE49-F238E27FC236}">
+                <a16:creationId xmlns:a16="http://schemas.microsoft.com/office/drawing/2014/main" id="{12060DBF-91F1-44CC-A862-C577FC46B117}"/>
+              </a:ext>
+            </a:extLst>
+          </p:cNvPr>
+          <p:cNvSpPr>
+            <a:spLocks noGrp="1"/>
+          </p:cNvSpPr>
+          <p:nvPr>
+            <p:ph type="title"/>
+          </p:nvPr>
+        </p:nvSpPr>
+        <p:spPr/>
+        <p:txBody>
+          <a:bodyPr/>
+          <a:lstStyle/>
+          <a:p>
+            <a:r>
+              <a:rPr lang="it-IT" dirty="0">
+                <a:solidFill>
+                  <a:schemeClr val="accent2"/>
+                </a:solidFill>
+              </a:rPr>
+              <a:t>Scelta del framework</a:t>
+            </a:r>
+          </a:p>
+        </p:txBody>
+      </p:sp>
+      <p:sp>
+        <p:nvSpPr>
+          <p:cNvPr id="3" name="Segnaposto contenuto 2">
+            <a:extLst>
+              <a:ext uri="{FF2B5EF4-FFF2-40B4-BE49-F238E27FC236}">
+                <a16:creationId xmlns:a16="http://schemas.microsoft.com/office/drawing/2014/main" id="{73C64FD3-797A-4836-B532-24A4A2BF6FC6}"/>
+              </a:ext>
+            </a:extLst>
+          </p:cNvPr>
+          <p:cNvSpPr>
+            <a:spLocks noGrp="1"/>
+          </p:cNvSpPr>
+          <p:nvPr>
+            <p:ph idx="1"/>
+          </p:nvPr>
+        </p:nvSpPr>
+        <p:spPr/>
+        <p:txBody>
+          <a:bodyPr/>
+          <a:lstStyle/>
+          <a:p>
+            <a:pPr marL="0" indent="0">
+              <a:lnSpc>
+                <a:spcPct val="100000"/>
+              </a:lnSpc>
+              <a:buNone/>
+            </a:pPr>
+            <a:r>
+              <a:rPr lang="it-IT" dirty="0">
+                <a:solidFill>
+                  <a:schemeClr val="accent2"/>
+                </a:solidFill>
+              </a:rPr>
+              <a:t>Perché REACT ? </a:t>
+            </a:r>
+            <a:r>
+              <a:rPr lang="it-IT" dirty="0"/>
+              <a:t>REACT perché si presenta come una libreria di sviluppo per il front-end di applicazione single-page, quindi permette di sviluppare interfacce utente dinamiche mantenendo facilità e modularità. Oltre all’uso del JSX si utilizza prevalentemente JavaScript senza imparare un altro linguaggio, e dato che abbiamo imparato JavaScript alle lezioni ho scelto subito REACT per il mio progetto. All’inizio può sembrare una cosa strana ed difficile(una sensazione di scrivere JavaScript in HTML) da imparare ma una volta abituato si apprezza per le sue potenzialità.</a:t>
+            </a:r>
+            <a:endParaRPr lang="it-IT" dirty="0">
+              <a:solidFill>
+                <a:schemeClr val="accent2"/>
+              </a:solidFill>
+            </a:endParaRPr>
+          </a:p>
+        </p:txBody>
+      </p:sp>
+    </p:spTree>
+    <p:extLst>
+      <p:ext uri="{BB962C8B-B14F-4D97-AF65-F5344CB8AC3E}">
+        <p14:creationId xmlns:p14="http://schemas.microsoft.com/office/powerpoint/2010/main" val="1799212214"/>
+      </p:ext>
+    </p:extLst>
+  </p:cSld>
+  <p:clrMapOvr>
+    <a:masterClrMapping/>
+  </p:clrMapOvr>
+</p:sld>
+</file>
+
+<file path=ppt/slides/slide7.xml><?xml version="1.0" encoding="utf-8"?>
+<p:sld xmlns:a="http://schemas.openxmlformats.org/drawingml/2006/main" xmlns:r="http://schemas.openxmlformats.org/officeDocument/2006/relationships" xmlns:p="http://schemas.openxmlformats.org/presentationml/2006/main">
+  <p:cSld>
+    <p:spTree>
+      <p:nvGrpSpPr>
+        <p:cNvPr id="1" name=""/>
+        <p:cNvGrpSpPr/>
+        <p:nvPr/>
+      </p:nvGrpSpPr>
+      <p:grpSpPr>
+        <a:xfrm>
+          <a:off x="0" y="0"/>
+          <a:ext cx="0" cy="0"/>
+          <a:chOff x="0" y="0"/>
+          <a:chExt cx="0" cy="0"/>
+        </a:xfrm>
+      </p:grpSpPr>
+      <p:sp>
+        <p:nvSpPr>
+          <p:cNvPr id="2" name="Titolo 1">
+            <a:extLst>
+              <a:ext uri="{FF2B5EF4-FFF2-40B4-BE49-F238E27FC236}">
+                <a16:creationId xmlns:a16="http://schemas.microsoft.com/office/drawing/2014/main" id="{C538860D-D344-4F2D-92C2-525781E8E68B}"/>
+              </a:ext>
+            </a:extLst>
+          </p:cNvPr>
+          <p:cNvSpPr>
+            <a:spLocks noGrp="1"/>
+          </p:cNvSpPr>
+          <p:nvPr>
+            <p:ph type="title"/>
+          </p:nvPr>
+        </p:nvSpPr>
+        <p:spPr/>
+        <p:txBody>
+          <a:bodyPr/>
+          <a:lstStyle/>
+          <a:p>
+            <a:r>
+              <a:rPr lang="it-IT" dirty="0">
+                <a:solidFill>
+                  <a:srgbClr val="FF0000"/>
+                </a:solidFill>
+              </a:rPr>
+              <a:t>Specifiche progetto</a:t>
+            </a:r>
+          </a:p>
+        </p:txBody>
+      </p:sp>
+      <p:sp>
+        <p:nvSpPr>
+          <p:cNvPr id="3" name="Segnaposto contenuto 2">
+            <a:extLst>
+              <a:ext uri="{FF2B5EF4-FFF2-40B4-BE49-F238E27FC236}">
+                <a16:creationId xmlns:a16="http://schemas.microsoft.com/office/drawing/2014/main" id="{87F9B951-486A-4568-AF46-402970D16BCB}"/>
+              </a:ext>
+            </a:extLst>
+          </p:cNvPr>
+          <p:cNvSpPr>
+            <a:spLocks noGrp="1"/>
+          </p:cNvSpPr>
+          <p:nvPr>
+            <p:ph idx="1"/>
+          </p:nvPr>
+        </p:nvSpPr>
+        <p:spPr>
+          <a:xfrm>
+            <a:off x="838200" y="1563757"/>
+            <a:ext cx="10515600" cy="4929118"/>
+          </a:xfrm>
+        </p:spPr>
+        <p:txBody>
+          <a:bodyPr>
+            <a:normAutofit lnSpcReduction="10000"/>
+          </a:bodyPr>
+          <a:lstStyle/>
+          <a:p>
+            <a:pPr>
+              <a:lnSpc>
+                <a:spcPct val="110000"/>
+              </a:lnSpc>
+            </a:pPr>
+            <a:r>
+              <a:rPr lang="it-IT" dirty="0"/>
+              <a:t>Quando utente accede al homepage, vengono visualizzati tutti i prodotti disponibili tramite una richiesta al server che risponde accendendo al database.</a:t>
+            </a:r>
+          </a:p>
+          <a:p>
+            <a:pPr>
+              <a:lnSpc>
+                <a:spcPct val="110000"/>
+              </a:lnSpc>
+            </a:pPr>
+            <a:r>
+              <a:rPr lang="it-IT" dirty="0"/>
+              <a:t>Utente a questo punto può aggiungere i prodotti al carello, il sistema memorizza i dati riguardanti al carello nel </a:t>
+            </a:r>
+            <a:r>
+              <a:rPr lang="it-IT" dirty="0" err="1"/>
+              <a:t>LocalStorage</a:t>
+            </a:r>
+            <a:r>
+              <a:rPr lang="it-IT" dirty="0"/>
+              <a:t>, se decide di confermare l’ordine può registrarsi compilando un </a:t>
+            </a:r>
+            <a:r>
+              <a:rPr lang="it-IT" dirty="0" err="1"/>
+              <a:t>form</a:t>
+            </a:r>
+            <a:r>
+              <a:rPr lang="it-IT" dirty="0"/>
+              <a:t> oppure effettuare login se già in possesso dei credenziali.</a:t>
+            </a:r>
+          </a:p>
+          <a:p>
+            <a:pPr>
+              <a:lnSpc>
+                <a:spcPct val="110000"/>
+              </a:lnSpc>
+            </a:pPr>
+            <a:r>
+              <a:rPr lang="it-IT" dirty="0"/>
+              <a:t>Siccome i clienti vengono indentificati attraverso Email, nella fase di registrazione viene effettuato il controllo che Email presentato non sia già presente del DATABASE.</a:t>
+            </a:r>
+          </a:p>
+        </p:txBody>
+      </p:sp>
+    </p:spTree>
+    <p:extLst>
+      <p:ext uri="{BB962C8B-B14F-4D97-AF65-F5344CB8AC3E}">
+        <p14:creationId xmlns:p14="http://schemas.microsoft.com/office/powerpoint/2010/main" val="280409479"/>
+      </p:ext>
+    </p:extLst>
+  </p:cSld>
+  <p:clrMapOvr>
+    <a:masterClrMapping/>
+  </p:clrMapOvr>
+</p:sld>
+</file>
+
+<file path=ppt/slides/slide8.xml><?xml version="1.0" encoding="utf-8"?>
+<p:sld xmlns:a="http://schemas.openxmlformats.org/drawingml/2006/main" xmlns:r="http://schemas.openxmlformats.org/officeDocument/2006/relationships" xmlns:p="http://schemas.openxmlformats.org/presentationml/2006/main">
+  <p:cSld>
+    <p:spTree>
+      <p:nvGrpSpPr>
+        <p:cNvPr id="1" name=""/>
+        <p:cNvGrpSpPr/>
+        <p:nvPr/>
+      </p:nvGrpSpPr>
+      <p:grpSpPr>
+        <a:xfrm>
+          <a:off x="0" y="0"/>
+          <a:ext cx="0" cy="0"/>
+          <a:chOff x="0" y="0"/>
+          <a:chExt cx="0" cy="0"/>
+        </a:xfrm>
+      </p:grpSpPr>
+      <p:sp>
+        <p:nvSpPr>
+          <p:cNvPr id="3" name="Segnaposto contenuto 2">
+            <a:extLst>
+              <a:ext uri="{FF2B5EF4-FFF2-40B4-BE49-F238E27FC236}">
+                <a16:creationId xmlns:a16="http://schemas.microsoft.com/office/drawing/2014/main" id="{A5C2B8AC-DECA-49DE-ADD9-E49980E9321A}"/>
+              </a:ext>
+            </a:extLst>
+          </p:cNvPr>
+          <p:cNvSpPr>
+            <a:spLocks noGrp="1"/>
+          </p:cNvSpPr>
+          <p:nvPr>
+            <p:ph idx="1"/>
+          </p:nvPr>
+        </p:nvSpPr>
+        <p:spPr>
+          <a:xfrm>
+            <a:off x="838200" y="463826"/>
+            <a:ext cx="10515600" cy="6175513"/>
+          </a:xfrm>
+        </p:spPr>
+        <p:txBody>
+          <a:bodyPr>
+            <a:normAutofit/>
+          </a:bodyPr>
+          <a:lstStyle/>
+          <a:p>
+            <a:pPr>
+              <a:lnSpc>
+                <a:spcPct val="100000"/>
+              </a:lnSpc>
+            </a:pPr>
+            <a:r>
+              <a:rPr lang="it-IT" dirty="0"/>
+              <a:t>Operazione di login controlla rispettivamente se è errato il password oppure mail ritornando messaggio di errore adeguato per l’utente.</a:t>
+            </a:r>
+          </a:p>
+          <a:p>
+            <a:pPr>
+              <a:lnSpc>
+                <a:spcPct val="100000"/>
+              </a:lnSpc>
+            </a:pPr>
+            <a:r>
+              <a:rPr lang="it-IT" dirty="0"/>
+              <a:t>I password vengono memorizzati facendo prima passare attraverso funzione di HASH da renderlo segreto per tutti.</a:t>
+            </a:r>
+          </a:p>
+          <a:p>
+            <a:pPr>
+              <a:lnSpc>
+                <a:spcPct val="100000"/>
+              </a:lnSpc>
+            </a:pPr>
+            <a:r>
+              <a:rPr lang="it-IT" dirty="0"/>
+              <a:t>Se login è andato buon fine, il sistema invia un token all’utente che deve utilizzarlo come strumento di autenticazione per ogni futura richiesta di servizio.</a:t>
+            </a:r>
+          </a:p>
+          <a:p>
+            <a:pPr>
+              <a:lnSpc>
+                <a:spcPct val="100000"/>
+              </a:lnSpc>
+            </a:pPr>
+            <a:r>
+              <a:rPr lang="it-IT" dirty="0"/>
+              <a:t>Utente autenticato può effettuare l’ordine con data odierna e con orario non precedente all’ora attuale, in caso contrario verrà avvertito.</a:t>
+            </a:r>
+          </a:p>
+          <a:p>
+            <a:pPr>
+              <a:lnSpc>
+                <a:spcPct val="100000"/>
+              </a:lnSpc>
+            </a:pPr>
+            <a:r>
+              <a:rPr lang="it-IT" dirty="0"/>
+              <a:t>Può visualizzare gli tutti gli ordini effettuati nel tempo e eliminare quelli che non sono ancora stati lavorati. </a:t>
+            </a:r>
+          </a:p>
+          <a:p>
+            <a:pPr>
+              <a:lnSpc>
+                <a:spcPct val="100000"/>
+              </a:lnSpc>
+            </a:pPr>
+            <a:endParaRPr lang="it-IT" dirty="0"/>
+          </a:p>
+          <a:p>
+            <a:pPr>
+              <a:lnSpc>
+                <a:spcPct val="100000"/>
+              </a:lnSpc>
+            </a:pPr>
+            <a:endParaRPr lang="it-IT" dirty="0"/>
+          </a:p>
+        </p:txBody>
+      </p:sp>
+    </p:spTree>
+    <p:extLst>
+      <p:ext uri="{BB962C8B-B14F-4D97-AF65-F5344CB8AC3E}">
+        <p14:creationId xmlns:p14="http://schemas.microsoft.com/office/powerpoint/2010/main" val="3687746622"/>
+      </p:ext>
+    </p:extLst>
+  </p:cSld>
+  <p:clrMapOvr>
+    <a:masterClrMapping/>
+  </p:clrMapOvr>
+</p:sld>
+</file>
+
+<file path=ppt/slides/slide9.xml><?xml version="1.0" encoding="utf-8"?>
+<p:sld xmlns:a="http://schemas.openxmlformats.org/drawingml/2006/main" xmlns:r="http://schemas.openxmlformats.org/officeDocument/2006/relationships" xmlns:p="http://schemas.openxmlformats.org/presentationml/2006/main">
+  <p:cSld>
+    <p:spTree>
+      <p:nvGrpSpPr>
+        <p:cNvPr id="1" name=""/>
+        <p:cNvGrpSpPr/>
+        <p:nvPr/>
+      </p:nvGrpSpPr>
+      <p:grpSpPr>
+        <a:xfrm>
+          <a:off x="0" y="0"/>
+          <a:ext cx="0" cy="0"/>
+          <a:chOff x="0" y="0"/>
+          <a:chExt cx="0" cy="0"/>
+        </a:xfrm>
+      </p:grpSpPr>
+      <p:sp>
+        <p:nvSpPr>
           <p:cNvPr id="3" name="Segnaposto contenuto 2">
             <a:extLst>
               <a:ext uri="{FF2B5EF4-FFF2-40B4-BE49-F238E27FC236}">
@@ -3856,44 +4453,42 @@
           </a:xfrm>
         </p:spPr>
         <p:txBody>
-          <a:bodyPr/>
-          <a:lstStyle/>
-          <a:p>
-            <a:pPr marL="0" indent="0">
-              <a:buNone/>
+          <a:bodyPr>
+            <a:normAutofit/>
+          </a:bodyPr>
+          <a:lstStyle/>
+          <a:p>
+            <a:pPr>
+              <a:lnSpc>
+                <a:spcPct val="100000"/>
+              </a:lnSpc>
             </a:pPr>
             <a:r>
               <a:rPr lang="it-IT" dirty="0"/>
-              <a:t>Utente può fare </a:t>
-            </a:r>
-            <a:r>
-              <a:rPr lang="it-IT" dirty="0" err="1"/>
-              <a:t>un’ordine</a:t>
-            </a:r>
+              <a:t>Può modificare il proprio profilo(password, indirizzo e telefono) inserendo il password attuale.</a:t>
+            </a:r>
+          </a:p>
+          <a:p>
+            <a:pPr>
+              <a:lnSpc>
+                <a:spcPct val="100000"/>
+              </a:lnSpc>
+            </a:pPr>
             <a:r>
               <a:rPr lang="it-IT" dirty="0"/>
-              <a:t> con data odierna e con orario non precedente all’ora attuale, può visualizzare gli tutti gli ordini effettuati nel tempo e eliminare quelli che non sono ancora stati lavorati, in più può anche modificare il proprio profilo(password, indirizzo e telefono) inserendo il password attuale.</a:t>
-            </a:r>
-          </a:p>
-          <a:p>
-            <a:pPr marL="0" indent="0">
-              <a:buNone/>
+              <a:t>Per amministratori funziona in modo analogo all’utente, bisogna fare login prima di potere eseguire qualsiasi operazione, solo in caso di successo viene inviato un token dal sistema per autenticazione delle future richieste di servizi. </a:t>
+            </a:r>
+          </a:p>
+          <a:p>
+            <a:pPr>
+              <a:lnSpc>
+                <a:spcPct val="100000"/>
+              </a:lnSpc>
             </a:pPr>
-            <a:endParaRPr lang="it-IT" dirty="0"/>
-          </a:p>
-          <a:p>
-            <a:pPr marL="0" indent="0">
-              <a:buNone/>
-            </a:pPr>
             <a:r>
               <a:rPr lang="it-IT" dirty="0"/>
-              <a:t>Per amministratori funzione in modo analogo all’utente, bisogna prima effettuare il login, solo in caso di successo viene inviato un token dal sistema per autenticazione delle future richieste di servizi. Amministratori possono modificare stato degli ordini, aggiungere altri amministratori </a:t>
-            </a:r>
-            <a:r>
-              <a:rPr lang="it-IT"/>
-              <a:t>oppure prodotti nel menù.</a:t>
-            </a:r>
-            <a:endParaRPr lang="it-IT" dirty="0"/>
+              <a:t>Amministratori possono modificare stato degli ordini, aggiungere nuovi amministratori oppure prodotti nel menù.</a:t>
+            </a:r>
           </a:p>
         </p:txBody>
       </p:sp>
